--- a/PPTprésentation.pptx
+++ b/PPTprésentation.pptx
@@ -114,6 +114,11 @@
       </a:defRPr>
     </a:lvl9pPr>
   </p:defaultTextStyle>
+  <p:extLst>
+    <p:ext uri="{EFAFB233-063F-42B5-8137-9DF3F51BA10A}">
+      <p15:sldGuideLst xmlns:p15="http://schemas.microsoft.com/office/powerpoint/2012/main"/>
+    </p:ext>
+  </p:extLst>
 </p:presentation>
 </file>
 
@@ -294,7 +299,6 @@
               <a:rPr lang="fr-FR"/>
               <a:t>Cinquième niveau</a:t>
             </a:r>
-            <a:endParaRPr lang="fr-FR"/>
           </a:p>
         </p:txBody>
       </p:sp>
@@ -8113,16 +8117,12 @@
             </a:r>
             <a:r>
               <a:rPr lang="fr-FR" dirty="0"/>
-              <a:t>		Jean-Guillaume Ponsard</a:t>
-            </a:r>
-            <a:fld id="{E3BA9888-7CF2-4B8A-BF3B-0C63015B1FF4}" type="slidenum">
-              <a:rPr lang="fr-FR" smtClean="0"/>
-              <a:t>1</a:t>
-            </a:fld>
-            <a:fld id="{56C87966-C38A-4217-86DF-B891ABDF7E62}" type="slidenum">
-              <a:rPr lang="fr-FR" smtClean="0"/>
-              <a:t>1</a:t>
-            </a:fld>
+              <a:t>		</a:t>
+            </a:r>
+            <a:r>
+              <a:rPr lang="fr-FR"/>
+              <a:t>Jean-Guillaume Ponsard</a:t>
+            </a:r>
             <a:endParaRPr lang="fr-FR" dirty="0"/>
           </a:p>
         </p:txBody>

--- a/PPTprésentation.pptx
+++ b/PPTprésentation.pptx
@@ -13,7 +13,7 @@
     <p:sldId id="258" r:id="rId4"/>
     <p:sldId id="259" r:id="rId5"/>
     <p:sldId id="260" r:id="rId6"/>
-    <p:sldId id="261" r:id="rId7"/>
+    <p:sldId id="264" r:id="rId7"/>
     <p:sldId id="262" r:id="rId8"/>
     <p:sldId id="263" r:id="rId9"/>
   </p:sldIdLst>
@@ -8693,6 +8693,15 @@
           <a:p>
             <a:r>
               <a:rPr lang="fr-FR" dirty="0"/>
+              <a:t>Liste de courses</a:t>
+            </a:r>
+          </a:p>
+          <a:p>
+            <a:endParaRPr lang="fr-FR" dirty="0"/>
+          </a:p>
+          <a:p>
+            <a:r>
+              <a:rPr lang="fr-FR" dirty="0"/>
               <a:t>Suivis de régime alimentaire</a:t>
             </a:r>
           </a:p>
@@ -8810,7 +8819,7 @@
         </p:nvSpPr>
         <p:spPr>
           <a:xfrm>
-            <a:off x="3738147" y="2772507"/>
+            <a:off x="2433127" y="2790261"/>
             <a:ext cx="8911687" cy="1280890"/>
           </a:xfrm>
         </p:spPr>
@@ -8820,7 +8829,7 @@
           <a:p>
             <a:r>
               <a:rPr lang="fr-FR" dirty="0"/>
-              <a:t>DEMONSTRATION</a:t>
+              <a:t>Démonstration</a:t>
             </a:r>
           </a:p>
         </p:txBody>
@@ -8848,10 +8857,51 @@
           </a:p>
         </p:txBody>
       </p:sp>
+      <p:pic>
+        <p:nvPicPr>
+          <p:cNvPr id="1026" name="Picture 2" descr="https://cdn.discordapp.com/attachments/372361151893209089/392066608966664192/IMG_5738.jpg"/>
+          <p:cNvPicPr>
+            <a:picLocks noChangeAspect="1" noChangeArrowheads="1"/>
+          </p:cNvPicPr>
+          <p:nvPr/>
+        </p:nvPicPr>
+        <p:blipFill>
+          <a:blip r:embed="rId2">
+            <a:extLst>
+              <a:ext uri="{28A0092B-C50C-407E-A947-70E740481C1C}">
+                <a14:useLocalDpi xmlns:a14="http://schemas.microsoft.com/office/drawing/2010/main" val="0"/>
+              </a:ext>
+            </a:extLst>
+          </a:blip>
+          <a:srcRect/>
+          <a:stretch>
+            <a:fillRect/>
+          </a:stretch>
+        </p:blipFill>
+        <p:spPr bwMode="auto">
+          <a:xfrm>
+            <a:off x="6507334" y="178638"/>
+            <a:ext cx="4795011" cy="6393348"/>
+          </a:xfrm>
+          <a:prstGeom prst="rect">
+            <a:avLst/>
+          </a:prstGeom>
+          <a:noFill/>
+          <a:extLst>
+            <a:ext uri="{909E8E84-426E-40DD-AFC4-6F175D3DCCD1}">
+              <a14:hiddenFill xmlns:a14="http://schemas.microsoft.com/office/drawing/2010/main">
+                <a:solidFill>
+                  <a:srgbClr val="FFFFFF"/>
+                </a:solidFill>
+              </a14:hiddenFill>
+            </a:ext>
+          </a:extLst>
+        </p:spPr>
+      </p:pic>
     </p:spTree>
     <p:extLst>
       <p:ext uri="{BB962C8B-B14F-4D97-AF65-F5344CB8AC3E}">
-        <p14:creationId xmlns:p14="http://schemas.microsoft.com/office/powerpoint/2010/main" val="1102685536"/>
+        <p14:creationId xmlns:p14="http://schemas.microsoft.com/office/powerpoint/2010/main" val="4293290079"/>
       </p:ext>
     </p:extLst>
   </p:cSld>

--- a/PPTprésentation.pptx
+++ b/PPTprésentation.pptx
@@ -122,6 +122,10 @@
 </p:presentation>
 </file>
 
+<file path=ppt/revisionInfo.xml><?xml version="1.0" encoding="utf-8"?>
+<p1510:revInfo xmlns:a="http://schemas.openxmlformats.org/drawingml/2006/main" xmlns:r="http://schemas.openxmlformats.org/officeDocument/2006/relationships" xmlns:p1510="http://schemas.microsoft.com/office/powerpoint/2015/10/main"/>
+</file>
+
 <file path=ppt/notesMasters/notesMaster1.xml><?xml version="1.0" encoding="utf-8"?>
 <p:notesMaster xmlns:a="http://schemas.openxmlformats.org/drawingml/2006/main" xmlns:r="http://schemas.openxmlformats.org/officeDocument/2006/relationships" xmlns:p="http://schemas.openxmlformats.org/presentationml/2006/main">
   <p:cSld>
@@ -204,7 +208,7 @@
           <a:p>
             <a:fld id="{D82C599F-9FB5-450C-8F76-739FD9E2A839}" type="datetimeFigureOut">
               <a:rPr lang="fr-FR" smtClean="0"/>
-              <a:t>17/12/2017</a:t>
+              <a:t>18/12/2017</a:t>
             </a:fld>
             <a:endParaRPr lang="fr-FR"/>
           </a:p>
@@ -659,7 +663,7 @@
           <a:p>
             <a:fld id="{A8BA7F79-8E5D-47AF-9AA1-268CEADCC4F9}" type="datetime1">
               <a:rPr lang="fr-FR" smtClean="0"/>
-              <a:t>17/12/2017</a:t>
+              <a:t>18/12/2017</a:t>
             </a:fld>
             <a:endParaRPr lang="fr-FR"/>
           </a:p>
@@ -997,7 +1001,7 @@
           <a:p>
             <a:fld id="{9B419534-DF3C-48D0-B16E-48FD8E3408F7}" type="datetime1">
               <a:rPr lang="fr-FR" smtClean="0"/>
-              <a:t>17/12/2017</a:t>
+              <a:t>18/12/2017</a:t>
             </a:fld>
             <a:endParaRPr lang="fr-FR"/>
           </a:p>
@@ -1398,7 +1402,7 @@
           <a:p>
             <a:fld id="{70CB5565-F0DC-4A52-9CBD-E4A995F56B12}" type="datetime1">
               <a:rPr lang="fr-FR" smtClean="0"/>
-              <a:t>17/12/2017</a:t>
+              <a:t>18/12/2017</a:t>
             </a:fld>
             <a:endParaRPr lang="fr-FR"/>
           </a:p>
@@ -1734,7 +1738,7 @@
           <a:p>
             <a:fld id="{D4B57458-C267-41E2-938A-8D602CFB5441}" type="datetime1">
               <a:rPr lang="fr-FR" smtClean="0"/>
-              <a:t>17/12/2017</a:t>
+              <a:t>18/12/2017</a:t>
             </a:fld>
             <a:endParaRPr lang="fr-FR"/>
           </a:p>
@@ -2054,7 +2058,7 @@
           <a:p>
             <a:fld id="{DD2C3FBB-D51D-4A13-AD7B-108DD6C983A4}" type="datetime1">
               <a:rPr lang="fr-FR" smtClean="0"/>
-              <a:t>17/12/2017</a:t>
+              <a:t>18/12/2017</a:t>
             </a:fld>
             <a:endParaRPr lang="fr-FR"/>
           </a:p>
@@ -2450,7 +2454,7 @@
           <a:p>
             <a:fld id="{B1E347A5-FC81-44E2-A715-5C1277FFC79A}" type="datetime1">
               <a:rPr lang="fr-FR" smtClean="0"/>
-              <a:t>17/12/2017</a:t>
+              <a:t>18/12/2017</a:t>
             </a:fld>
             <a:endParaRPr lang="fr-FR"/>
           </a:p>
@@ -2707,7 +2711,7 @@
           <a:p>
             <a:fld id="{7B819AB1-6379-4FF2-A8B3-A6D3C17D07E3}" type="datetime1">
               <a:rPr lang="fr-FR" smtClean="0"/>
-              <a:t>17/12/2017</a:t>
+              <a:t>18/12/2017</a:t>
             </a:fld>
             <a:endParaRPr lang="fr-FR"/>
           </a:p>
@@ -2969,7 +2973,7 @@
           <a:p>
             <a:fld id="{1B27594B-0845-4C8D-9F51-664A31CBE767}" type="datetime1">
               <a:rPr lang="fr-FR" smtClean="0"/>
-              <a:t>17/12/2017</a:t>
+              <a:t>18/12/2017</a:t>
             </a:fld>
             <a:endParaRPr lang="fr-FR"/>
           </a:p>
@@ -3231,7 +3235,7 @@
           <a:p>
             <a:fld id="{46F59EA1-8046-4012-BC87-662F68DF67AA}" type="datetime1">
               <a:rPr lang="fr-FR" smtClean="0"/>
-              <a:t>17/12/2017</a:t>
+              <a:t>18/12/2017</a:t>
             </a:fld>
             <a:endParaRPr lang="fr-FR"/>
           </a:p>
@@ -3560,7 +3564,7 @@
           <a:p>
             <a:fld id="{0C337047-665C-4EF9-8727-130474A1DB5C}" type="datetime1">
               <a:rPr lang="fr-FR" smtClean="0"/>
-              <a:t>17/12/2017</a:t>
+              <a:t>18/12/2017</a:t>
             </a:fld>
             <a:endParaRPr lang="fr-FR"/>
           </a:p>
@@ -3883,7 +3887,7 @@
           <a:p>
             <a:fld id="{400D7305-050A-4F7E-AC92-FACAD20EAA97}" type="datetime1">
               <a:rPr lang="fr-FR" smtClean="0"/>
-              <a:t>17/12/2017</a:t>
+              <a:t>18/12/2017</a:t>
             </a:fld>
             <a:endParaRPr lang="fr-FR"/>
           </a:p>
@@ -4340,7 +4344,7 @@
           <a:p>
             <a:fld id="{838D387E-1108-49A5-A2EE-75E7208CCF3B}" type="datetime1">
               <a:rPr lang="fr-FR" smtClean="0"/>
-              <a:t>17/12/2017</a:t>
+              <a:t>18/12/2017</a:t>
             </a:fld>
             <a:endParaRPr lang="fr-FR"/>
           </a:p>
@@ -4545,7 +4549,7 @@
           <a:p>
             <a:fld id="{BC27DB8C-C1FA-469B-BB38-3DB902A2C66E}" type="datetime1">
               <a:rPr lang="fr-FR" smtClean="0"/>
-              <a:t>17/12/2017</a:t>
+              <a:t>18/12/2017</a:t>
             </a:fld>
             <a:endParaRPr lang="fr-FR"/>
           </a:p>
@@ -4722,7 +4726,7 @@
           <a:p>
             <a:fld id="{63CB255A-D53A-4444-B6D5-959AD8016E74}" type="datetime1">
               <a:rPr lang="fr-FR" smtClean="0"/>
-              <a:t>17/12/2017</a:t>
+              <a:t>18/12/2017</a:t>
             </a:fld>
             <a:endParaRPr lang="fr-FR"/>
           </a:p>
@@ -5055,7 +5059,7 @@
           <a:p>
             <a:fld id="{8C4F9B36-6BA2-4241-B889-7AF6B60C22E9}" type="datetime1">
               <a:rPr lang="fr-FR" smtClean="0"/>
-              <a:t>17/12/2017</a:t>
+              <a:t>18/12/2017</a:t>
             </a:fld>
             <a:endParaRPr lang="fr-FR"/>
           </a:p>
@@ -5400,7 +5404,7 @@
           <a:p>
             <a:fld id="{AB1AA87D-6411-46E3-8216-7B94F1FEE637}" type="datetime1">
               <a:rPr lang="fr-FR" smtClean="0"/>
-              <a:t>17/12/2017</a:t>
+              <a:t>18/12/2017</a:t>
             </a:fld>
             <a:endParaRPr lang="fr-FR"/>
           </a:p>
@@ -7517,7 +7521,7 @@
           <a:p>
             <a:fld id="{5FAD88F1-4E4D-47AE-B054-61A9ED71A8F8}" type="datetime1">
               <a:rPr lang="fr-FR" smtClean="0"/>
-              <a:t>17/12/2017</a:t>
+              <a:t>18/12/2017</a:t>
             </a:fld>
             <a:endParaRPr lang="fr-FR"/>
           </a:p>
@@ -8529,17 +8533,14 @@
           <a:p>
             <a:r>
               <a:rPr lang="fr-FR" dirty="0"/>
-              <a:t>Création et partage de </a:t>
+              <a:t>Consultation du stock</a:t>
             </a:r>
           </a:p>
           <a:p>
             <a:pPr marL="0" indent="0">
               <a:buNone/>
             </a:pPr>
-            <a:r>
-              <a:rPr lang="fr-FR" dirty="0"/>
-              <a:t>	recettes</a:t>
-            </a:r>
+            <a:endParaRPr lang="fr-FR" dirty="0"/>
           </a:p>
           <a:p>
             <a:endParaRPr lang="fr-FR" dirty="0"/>
@@ -8673,12 +8674,31 @@
           <a:bodyPr/>
           <a:lstStyle/>
           <a:p>
+            <a:endParaRPr lang="fr-FR" dirty="0"/>
+          </a:p>
+          <a:p>
             <a:r>
               <a:rPr lang="fr-FR" dirty="0"/>
-              <a:t>Consultation du stock</a:t>
-            </a:r>
-          </a:p>
-          <a:p>
+              <a:t>Création et partage de </a:t>
+            </a:r>
+          </a:p>
+          <a:p>
+            <a:pPr marL="0" indent="0">
+              <a:buNone/>
+            </a:pPr>
+            <a:r>
+              <a:rPr lang="fr-FR" dirty="0"/>
+              <a:t>	</a:t>
+            </a:r>
+            <a:r>
+              <a:rPr lang="fr-FR"/>
+              <a:t>recettes </a:t>
+            </a:r>
+          </a:p>
+          <a:p>
+            <a:pPr marL="0" indent="0">
+              <a:buNone/>
+            </a:pPr>
             <a:endParaRPr lang="fr-FR" dirty="0"/>
           </a:p>
           <a:p>
